--- a/material.pptx
+++ b/material.pptx
@@ -107,6 +107,11 @@
       </a:defRPr>
     </a:lvl9pPr>
   </p:defaultTextStyle>
+  <p:extLst>
+    <p:ext uri="{EFAFB233-063F-42B5-8137-9DF3F51BA10A}">
+      <p15:sldGuideLst xmlns:p15="http://schemas.microsoft.com/office/powerpoint/2012/main"/>
+    </p:ext>
+  </p:extLst>
 </p:presentation>
 </file>
 
@@ -9901,14 +9906,10 @@
               <a:buFontTx/>
               <a:buChar char="-"/>
             </a:pPr>
-            <a:endParaRPr lang="pt-BR" sz="1400" dirty="0"/>
-          </a:p>
-          <a:p>
-            <a:pPr marL="285750" indent="-285750">
-              <a:buFontTx/>
-              <a:buChar char="-"/>
-            </a:pPr>
-            <a:endParaRPr lang="pt-BR" sz="1400" dirty="0"/>
+            <a:r>
+              <a:rPr lang="pt-BR" sz="1400" dirty="0"/>
+              <a:t>Uso de testes A/B no piloto e na operação.</a:t>
+            </a:r>
           </a:p>
         </p:txBody>
       </p:sp>
